--- a/docs/img/文档插图.pptx
+++ b/docs/img/文档插图.pptx
@@ -6,6 +6,7 @@
   </p:sldMasterIdLst>
   <p:sldIdLst>
     <p:sldId id="256" r:id="rId2"/>
+    <p:sldId id="257" r:id="rId3"/>
   </p:sldIdLst>
   <p:sldSz cx="12192000" cy="6858000"/>
   <p:notesSz cx="6858000" cy="9144000"/>
@@ -3481,7 +3482,7 @@
         </p:nvSpPr>
         <p:spPr>
           <a:xfrm>
-            <a:off x="4191416" y="4332624"/>
+            <a:off x="4164912" y="4079594"/>
             <a:ext cx="948899" cy="634789"/>
           </a:xfrm>
           <a:prstGeom prst="rect">
@@ -3682,6 +3683,1135 @@
         </p:nvSpPr>
         <p:spPr>
           <a:xfrm>
+            <a:off x="2752023" y="4079592"/>
+            <a:ext cx="948898" cy="634791"/>
+          </a:xfrm>
+          <a:prstGeom prst="rect">
+            <a:avLst/>
+          </a:prstGeom>
+          <a:solidFill>
+            <a:srgbClr val="92D050"/>
+          </a:solidFill>
+          <a:ln>
+            <a:noFill/>
+          </a:ln>
+        </p:spPr>
+        <p:style>
+          <a:lnRef idx="2">
+            <a:schemeClr val="accent1">
+              <a:shade val="50000"/>
+            </a:schemeClr>
+          </a:lnRef>
+          <a:fillRef idx="1">
+            <a:schemeClr val="accent1"/>
+          </a:fillRef>
+          <a:effectRef idx="0">
+            <a:schemeClr val="accent1"/>
+          </a:effectRef>
+          <a:fontRef idx="minor">
+            <a:schemeClr val="lt1"/>
+          </a:fontRef>
+        </p:style>
+        <p:txBody>
+          <a:bodyPr rtlCol="0" anchor="ctr"/>
+          <a:lstStyle/>
+          <a:p>
+            <a:pPr algn="ctr"/>
+            <a:r>
+              <a:rPr kumimoji="1" lang="zh-CN" altLang="en-US" b="1" dirty="0">
+                <a:solidFill>
+                  <a:schemeClr val="bg1"/>
+                </a:solidFill>
+              </a:rPr>
+              <a:t>执行器</a:t>
+            </a:r>
+            <a:r>
+              <a:rPr kumimoji="1" lang="en-US" altLang="zh-CN" b="1" dirty="0">
+                <a:solidFill>
+                  <a:schemeClr val="bg1"/>
+                </a:solidFill>
+              </a:rPr>
+              <a:t> </a:t>
+            </a:r>
+          </a:p>
+          <a:p>
+            <a:pPr algn="ctr"/>
+            <a:r>
+              <a:rPr kumimoji="1" lang="en-US" altLang="zh-CN" b="1" dirty="0">
+                <a:solidFill>
+                  <a:schemeClr val="bg1"/>
+                </a:solidFill>
+              </a:rPr>
+              <a:t>0</a:t>
+            </a:r>
+            <a:endParaRPr kumimoji="1" lang="zh-CN" altLang="en-US" b="1" dirty="0">
+              <a:solidFill>
+                <a:schemeClr val="bg1"/>
+              </a:solidFill>
+            </a:endParaRPr>
+          </a:p>
+        </p:txBody>
+      </p:sp>
+      <p:sp>
+        <p:nvSpPr>
+          <p:cNvPr id="17" name="矩形 16">
+            <a:extLst>
+              <a:ext uri="{FF2B5EF4-FFF2-40B4-BE49-F238E27FC236}">
+                <a16:creationId xmlns:a16="http://schemas.microsoft.com/office/drawing/2014/main" id="{2D26C478-4B97-F342-842C-A0A4C1DA4ECC}"/>
+              </a:ext>
+            </a:extLst>
+          </p:cNvPr>
+          <p:cNvSpPr/>
+          <p:nvPr/>
+        </p:nvSpPr>
+        <p:spPr>
+          <a:xfrm>
+            <a:off x="3710295" y="4079591"/>
+            <a:ext cx="454617" cy="634791"/>
+          </a:xfrm>
+          <a:prstGeom prst="rect">
+            <a:avLst/>
+          </a:prstGeom>
+          <a:noFill/>
+          <a:ln>
+            <a:noFill/>
+          </a:ln>
+        </p:spPr>
+        <p:style>
+          <a:lnRef idx="2">
+            <a:schemeClr val="accent1">
+              <a:shade val="50000"/>
+            </a:schemeClr>
+          </a:lnRef>
+          <a:fillRef idx="1">
+            <a:schemeClr val="accent1"/>
+          </a:fillRef>
+          <a:effectRef idx="0">
+            <a:schemeClr val="accent1"/>
+          </a:effectRef>
+          <a:fontRef idx="minor">
+            <a:schemeClr val="lt1"/>
+          </a:fontRef>
+        </p:style>
+        <p:txBody>
+          <a:bodyPr rtlCol="0" anchor="ctr"/>
+          <a:lstStyle/>
+          <a:p>
+            <a:pPr algn="ctr"/>
+            <a:r>
+              <a:rPr kumimoji="1" lang="en-US" altLang="zh-CN" b="1" dirty="0">
+                <a:solidFill>
+                  <a:srgbClr val="0070C0"/>
+                </a:solidFill>
+              </a:rPr>
+              <a:t>…</a:t>
+            </a:r>
+            <a:endParaRPr kumimoji="1" lang="zh-CN" altLang="en-US" b="1" dirty="0">
+              <a:solidFill>
+                <a:srgbClr val="0070C0"/>
+              </a:solidFill>
+            </a:endParaRPr>
+          </a:p>
+        </p:txBody>
+      </p:sp>
+      <p:sp>
+        <p:nvSpPr>
+          <p:cNvPr id="18" name="矩形 17">
+            <a:extLst>
+              <a:ext uri="{FF2B5EF4-FFF2-40B4-BE49-F238E27FC236}">
+                <a16:creationId xmlns:a16="http://schemas.microsoft.com/office/drawing/2014/main" id="{E3B98836-AFDD-724D-8DAF-FFFCA1164A0C}"/>
+              </a:ext>
+            </a:extLst>
+          </p:cNvPr>
+          <p:cNvSpPr/>
+          <p:nvPr/>
+        </p:nvSpPr>
+        <p:spPr>
+          <a:xfrm>
+            <a:off x="5382515" y="4079592"/>
+            <a:ext cx="948898" cy="634791"/>
+          </a:xfrm>
+          <a:prstGeom prst="rect">
+            <a:avLst/>
+          </a:prstGeom>
+          <a:solidFill>
+            <a:schemeClr val="accent5">
+              <a:lumMod val="60000"/>
+              <a:lumOff val="40000"/>
+            </a:schemeClr>
+          </a:solidFill>
+          <a:ln>
+            <a:noFill/>
+          </a:ln>
+        </p:spPr>
+        <p:style>
+          <a:lnRef idx="2">
+            <a:schemeClr val="accent1">
+              <a:shade val="50000"/>
+            </a:schemeClr>
+          </a:lnRef>
+          <a:fillRef idx="1">
+            <a:schemeClr val="accent1"/>
+          </a:fillRef>
+          <a:effectRef idx="0">
+            <a:schemeClr val="accent1"/>
+          </a:effectRef>
+          <a:fontRef idx="minor">
+            <a:schemeClr val="lt1"/>
+          </a:fontRef>
+        </p:style>
+        <p:txBody>
+          <a:bodyPr rtlCol="0" anchor="ctr"/>
+          <a:lstStyle/>
+          <a:p>
+            <a:pPr algn="ctr"/>
+            <a:r>
+              <a:rPr kumimoji="1" lang="zh-CN" altLang="en-US" b="1" dirty="0">
+                <a:solidFill>
+                  <a:schemeClr val="bg1"/>
+                </a:solidFill>
+              </a:rPr>
+              <a:t>传感器</a:t>
+            </a:r>
+            <a:endParaRPr kumimoji="1" lang="en-US" altLang="zh-CN" b="1" dirty="0">
+              <a:solidFill>
+                <a:schemeClr val="bg1"/>
+              </a:solidFill>
+            </a:endParaRPr>
+          </a:p>
+          <a:p>
+            <a:pPr algn="ctr"/>
+            <a:r>
+              <a:rPr kumimoji="1" lang="en-US" altLang="zh-CN" b="1" dirty="0">
+                <a:solidFill>
+                  <a:schemeClr val="bg1"/>
+                </a:solidFill>
+              </a:rPr>
+              <a:t>0</a:t>
+            </a:r>
+            <a:endParaRPr kumimoji="1" lang="zh-CN" altLang="en-US" b="1" dirty="0">
+              <a:solidFill>
+                <a:schemeClr val="bg1"/>
+              </a:solidFill>
+            </a:endParaRPr>
+          </a:p>
+        </p:txBody>
+      </p:sp>
+      <p:sp>
+        <p:nvSpPr>
+          <p:cNvPr id="19" name="矩形 18">
+            <a:extLst>
+              <a:ext uri="{FF2B5EF4-FFF2-40B4-BE49-F238E27FC236}">
+                <a16:creationId xmlns:a16="http://schemas.microsoft.com/office/drawing/2014/main" id="{BCBA071A-A9A0-F94F-9EF8-59C60238C9F5}"/>
+              </a:ext>
+            </a:extLst>
+          </p:cNvPr>
+          <p:cNvSpPr/>
+          <p:nvPr/>
+        </p:nvSpPr>
+        <p:spPr>
+          <a:xfrm>
+            <a:off x="6877404" y="4079591"/>
+            <a:ext cx="948898" cy="634791"/>
+          </a:xfrm>
+          <a:prstGeom prst="rect">
+            <a:avLst/>
+          </a:prstGeom>
+          <a:solidFill>
+            <a:schemeClr val="accent5">
+              <a:lumMod val="60000"/>
+              <a:lumOff val="40000"/>
+            </a:schemeClr>
+          </a:solidFill>
+          <a:ln>
+            <a:noFill/>
+          </a:ln>
+        </p:spPr>
+        <p:style>
+          <a:lnRef idx="2">
+            <a:schemeClr val="accent1">
+              <a:shade val="50000"/>
+            </a:schemeClr>
+          </a:lnRef>
+          <a:fillRef idx="1">
+            <a:schemeClr val="accent1"/>
+          </a:fillRef>
+          <a:effectRef idx="0">
+            <a:schemeClr val="accent1"/>
+          </a:effectRef>
+          <a:fontRef idx="minor">
+            <a:schemeClr val="lt1"/>
+          </a:fontRef>
+        </p:style>
+        <p:txBody>
+          <a:bodyPr rtlCol="0" anchor="ctr"/>
+          <a:lstStyle/>
+          <a:p>
+            <a:pPr algn="ctr"/>
+            <a:r>
+              <a:rPr kumimoji="1" lang="zh-CN" altLang="en-US" b="1" dirty="0">
+                <a:solidFill>
+                  <a:schemeClr val="bg1"/>
+                </a:solidFill>
+              </a:rPr>
+              <a:t>传感器</a:t>
+            </a:r>
+            <a:endParaRPr kumimoji="1" lang="en-US" altLang="zh-CN" b="1" dirty="0">
+              <a:solidFill>
+                <a:schemeClr val="bg1"/>
+              </a:solidFill>
+            </a:endParaRPr>
+          </a:p>
+          <a:p>
+            <a:pPr algn="ctr"/>
+            <a:r>
+              <a:rPr kumimoji="1" lang="en-US" altLang="zh-CN" b="1" dirty="0">
+                <a:solidFill>
+                  <a:schemeClr val="bg1"/>
+                </a:solidFill>
+              </a:rPr>
+              <a:t>N</a:t>
+            </a:r>
+            <a:endParaRPr kumimoji="1" lang="zh-CN" altLang="en-US" b="1" dirty="0">
+              <a:solidFill>
+                <a:schemeClr val="bg1"/>
+              </a:solidFill>
+            </a:endParaRPr>
+          </a:p>
+        </p:txBody>
+      </p:sp>
+      <p:sp>
+        <p:nvSpPr>
+          <p:cNvPr id="20" name="矩形 19">
+            <a:extLst>
+              <a:ext uri="{FF2B5EF4-FFF2-40B4-BE49-F238E27FC236}">
+                <a16:creationId xmlns:a16="http://schemas.microsoft.com/office/drawing/2014/main" id="{1AE278FE-7116-484C-B8F8-0E52FF7285BD}"/>
+              </a:ext>
+            </a:extLst>
+          </p:cNvPr>
+          <p:cNvSpPr/>
+          <p:nvPr/>
+        </p:nvSpPr>
+        <p:spPr>
+          <a:xfrm>
+            <a:off x="6340788" y="4079591"/>
+            <a:ext cx="454617" cy="634791"/>
+          </a:xfrm>
+          <a:prstGeom prst="rect">
+            <a:avLst/>
+          </a:prstGeom>
+          <a:noFill/>
+          <a:ln>
+            <a:noFill/>
+          </a:ln>
+        </p:spPr>
+        <p:style>
+          <a:lnRef idx="2">
+            <a:schemeClr val="accent1">
+              <a:shade val="50000"/>
+            </a:schemeClr>
+          </a:lnRef>
+          <a:fillRef idx="1">
+            <a:schemeClr val="accent1"/>
+          </a:fillRef>
+          <a:effectRef idx="0">
+            <a:schemeClr val="accent1"/>
+          </a:effectRef>
+          <a:fontRef idx="minor">
+            <a:schemeClr val="lt1"/>
+          </a:fontRef>
+        </p:style>
+        <p:txBody>
+          <a:bodyPr rtlCol="0" anchor="ctr"/>
+          <a:lstStyle/>
+          <a:p>
+            <a:pPr algn="ctr"/>
+            <a:r>
+              <a:rPr kumimoji="1" lang="en-US" altLang="zh-CN" b="1" dirty="0">
+                <a:solidFill>
+                  <a:srgbClr val="0070C0"/>
+                </a:solidFill>
+              </a:rPr>
+              <a:t>…</a:t>
+            </a:r>
+            <a:endParaRPr kumimoji="1" lang="zh-CN" altLang="en-US" b="1" dirty="0">
+              <a:solidFill>
+                <a:srgbClr val="0070C0"/>
+              </a:solidFill>
+            </a:endParaRPr>
+          </a:p>
+        </p:txBody>
+      </p:sp>
+      <p:cxnSp>
+        <p:nvCxnSpPr>
+          <p:cNvPr id="21" name="直线连接符 20">
+            <a:extLst>
+              <a:ext uri="{FF2B5EF4-FFF2-40B4-BE49-F238E27FC236}">
+                <a16:creationId xmlns:a16="http://schemas.microsoft.com/office/drawing/2014/main" id="{83B356E7-D790-6841-8FB4-FEB229BDF2CA}"/>
+              </a:ext>
+            </a:extLst>
+          </p:cNvPr>
+          <p:cNvCxnSpPr>
+            <a:cxnSpLocks/>
+            <a:endCxn id="16" idx="0"/>
+          </p:cNvCxnSpPr>
+          <p:nvPr/>
+        </p:nvCxnSpPr>
+        <p:spPr>
+          <a:xfrm>
+            <a:off x="3226472" y="3901951"/>
+            <a:ext cx="0" cy="177641"/>
+          </a:xfrm>
+          <a:prstGeom prst="line">
+            <a:avLst/>
+          </a:prstGeom>
+          <a:ln w="38100">
+            <a:solidFill>
+              <a:srgbClr val="FF5D4E"/>
+            </a:solidFill>
+          </a:ln>
+        </p:spPr>
+        <p:style>
+          <a:lnRef idx="1">
+            <a:schemeClr val="accent1"/>
+          </a:lnRef>
+          <a:fillRef idx="0">
+            <a:schemeClr val="accent1"/>
+          </a:fillRef>
+          <a:effectRef idx="0">
+            <a:schemeClr val="accent1"/>
+          </a:effectRef>
+          <a:fontRef idx="minor">
+            <a:schemeClr val="tx1"/>
+          </a:fontRef>
+        </p:style>
+      </p:cxnSp>
+      <p:cxnSp>
+        <p:nvCxnSpPr>
+          <p:cNvPr id="27" name="直线连接符 26">
+            <a:extLst>
+              <a:ext uri="{FF2B5EF4-FFF2-40B4-BE49-F238E27FC236}">
+                <a16:creationId xmlns:a16="http://schemas.microsoft.com/office/drawing/2014/main" id="{5C77DBCF-111F-D64E-854B-BF425BEEAB21}"/>
+              </a:ext>
+            </a:extLst>
+          </p:cNvPr>
+          <p:cNvCxnSpPr>
+            <a:cxnSpLocks/>
+          </p:cNvCxnSpPr>
+          <p:nvPr/>
+        </p:nvCxnSpPr>
+        <p:spPr>
+          <a:xfrm>
+            <a:off x="5498639" y="3471278"/>
+            <a:ext cx="0" cy="430673"/>
+          </a:xfrm>
+          <a:prstGeom prst="line">
+            <a:avLst/>
+          </a:prstGeom>
+          <a:ln w="38100">
+            <a:solidFill>
+              <a:srgbClr val="FF5D4E"/>
+            </a:solidFill>
+          </a:ln>
+        </p:spPr>
+        <p:style>
+          <a:lnRef idx="1">
+            <a:schemeClr val="accent1"/>
+          </a:lnRef>
+          <a:fillRef idx="0">
+            <a:schemeClr val="accent1"/>
+          </a:fillRef>
+          <a:effectRef idx="0">
+            <a:schemeClr val="accent1"/>
+          </a:effectRef>
+          <a:fontRef idx="minor">
+            <a:schemeClr val="tx1"/>
+          </a:fontRef>
+        </p:style>
+      </p:cxnSp>
+      <p:cxnSp>
+        <p:nvCxnSpPr>
+          <p:cNvPr id="30" name="直线连接符 29">
+            <a:extLst>
+              <a:ext uri="{FF2B5EF4-FFF2-40B4-BE49-F238E27FC236}">
+                <a16:creationId xmlns:a16="http://schemas.microsoft.com/office/drawing/2014/main" id="{5D4A28F6-E363-6D4D-999B-63ED0419AF75}"/>
+              </a:ext>
+            </a:extLst>
+          </p:cNvPr>
+          <p:cNvCxnSpPr>
+            <a:cxnSpLocks/>
+          </p:cNvCxnSpPr>
+          <p:nvPr/>
+        </p:nvCxnSpPr>
+        <p:spPr>
+          <a:xfrm>
+            <a:off x="3616293" y="3471278"/>
+            <a:ext cx="0" cy="430673"/>
+          </a:xfrm>
+          <a:prstGeom prst="line">
+            <a:avLst/>
+          </a:prstGeom>
+          <a:ln w="38100">
+            <a:solidFill>
+              <a:srgbClr val="FF5D4E"/>
+            </a:solidFill>
+          </a:ln>
+        </p:spPr>
+        <p:style>
+          <a:lnRef idx="1">
+            <a:schemeClr val="accent1"/>
+          </a:lnRef>
+          <a:fillRef idx="0">
+            <a:schemeClr val="accent1"/>
+          </a:fillRef>
+          <a:effectRef idx="0">
+            <a:schemeClr val="accent1"/>
+          </a:effectRef>
+          <a:fontRef idx="minor">
+            <a:schemeClr val="tx1"/>
+          </a:fontRef>
+        </p:style>
+      </p:cxnSp>
+      <p:cxnSp>
+        <p:nvCxnSpPr>
+          <p:cNvPr id="31" name="直线连接符 30">
+            <a:extLst>
+              <a:ext uri="{FF2B5EF4-FFF2-40B4-BE49-F238E27FC236}">
+                <a16:creationId xmlns:a16="http://schemas.microsoft.com/office/drawing/2014/main" id="{FC06B230-A061-F542-95CA-D2B7CEF92BEA}"/>
+              </a:ext>
+            </a:extLst>
+          </p:cNvPr>
+          <p:cNvCxnSpPr>
+            <a:cxnSpLocks/>
+          </p:cNvCxnSpPr>
+          <p:nvPr/>
+        </p:nvCxnSpPr>
+        <p:spPr>
+          <a:xfrm>
+            <a:off x="5495200" y="2444454"/>
+            <a:ext cx="0" cy="430673"/>
+          </a:xfrm>
+          <a:prstGeom prst="line">
+            <a:avLst/>
+          </a:prstGeom>
+          <a:ln w="57150"/>
+        </p:spPr>
+        <p:style>
+          <a:lnRef idx="1">
+            <a:schemeClr val="accent1"/>
+          </a:lnRef>
+          <a:fillRef idx="0">
+            <a:schemeClr val="accent1"/>
+          </a:fillRef>
+          <a:effectRef idx="0">
+            <a:schemeClr val="accent1"/>
+          </a:effectRef>
+          <a:fontRef idx="minor">
+            <a:schemeClr val="tx1"/>
+          </a:fontRef>
+        </p:style>
+      </p:cxnSp>
+      <p:sp>
+        <p:nvSpPr>
+          <p:cNvPr id="32" name="矩形 31">
+            <a:extLst>
+              <a:ext uri="{FF2B5EF4-FFF2-40B4-BE49-F238E27FC236}">
+                <a16:creationId xmlns:a16="http://schemas.microsoft.com/office/drawing/2014/main" id="{6DEB8598-B11E-6444-A0AA-8637E479EB86}"/>
+              </a:ext>
+            </a:extLst>
+          </p:cNvPr>
+          <p:cNvSpPr/>
+          <p:nvPr/>
+        </p:nvSpPr>
+        <p:spPr>
+          <a:xfrm>
+            <a:off x="5469996" y="3398555"/>
+            <a:ext cx="2635919" cy="634791"/>
+          </a:xfrm>
+          <a:prstGeom prst="rect">
+            <a:avLst/>
+          </a:prstGeom>
+          <a:noFill/>
+          <a:ln>
+            <a:noFill/>
+          </a:ln>
+        </p:spPr>
+        <p:style>
+          <a:lnRef idx="2">
+            <a:schemeClr val="accent1">
+              <a:shade val="50000"/>
+            </a:schemeClr>
+          </a:lnRef>
+          <a:fillRef idx="1">
+            <a:schemeClr val="accent1"/>
+          </a:fillRef>
+          <a:effectRef idx="0">
+            <a:schemeClr val="accent1"/>
+          </a:effectRef>
+          <a:fontRef idx="minor">
+            <a:schemeClr val="lt1"/>
+          </a:fontRef>
+        </p:style>
+        <p:txBody>
+          <a:bodyPr rtlCol="0" anchor="ctr"/>
+          <a:lstStyle/>
+          <a:p>
+            <a:pPr algn="ctr"/>
+            <a:r>
+              <a:rPr kumimoji="1" lang="en-US" altLang="zh-CN" b="1" dirty="0">
+                <a:solidFill>
+                  <a:srgbClr val="FF5D4E"/>
+                </a:solidFill>
+              </a:rPr>
+              <a:t>CAN / RS-485 / UART</a:t>
+            </a:r>
+            <a:endParaRPr kumimoji="1" lang="zh-CN" altLang="en-US" b="1" dirty="0">
+              <a:solidFill>
+                <a:srgbClr val="FF5D4E"/>
+              </a:solidFill>
+            </a:endParaRPr>
+          </a:p>
+        </p:txBody>
+      </p:sp>
+      <p:sp>
+        <p:nvSpPr>
+          <p:cNvPr id="33" name="矩形 32">
+            <a:extLst>
+              <a:ext uri="{FF2B5EF4-FFF2-40B4-BE49-F238E27FC236}">
+                <a16:creationId xmlns:a16="http://schemas.microsoft.com/office/drawing/2014/main" id="{1C39D927-597A-FC4D-ABB6-FEE849FC8543}"/>
+              </a:ext>
+            </a:extLst>
+          </p:cNvPr>
+          <p:cNvSpPr/>
+          <p:nvPr/>
+        </p:nvSpPr>
+        <p:spPr>
+          <a:xfrm>
+            <a:off x="5580096" y="2320774"/>
+            <a:ext cx="1929400" cy="634791"/>
+          </a:xfrm>
+          <a:prstGeom prst="rect">
+            <a:avLst/>
+          </a:prstGeom>
+          <a:noFill/>
+          <a:ln>
+            <a:noFill/>
+          </a:ln>
+        </p:spPr>
+        <p:style>
+          <a:lnRef idx="2">
+            <a:schemeClr val="accent1">
+              <a:shade val="50000"/>
+            </a:schemeClr>
+          </a:lnRef>
+          <a:fillRef idx="1">
+            <a:schemeClr val="accent1"/>
+          </a:fillRef>
+          <a:effectRef idx="0">
+            <a:schemeClr val="accent1"/>
+          </a:effectRef>
+          <a:fontRef idx="minor">
+            <a:schemeClr val="lt1"/>
+          </a:fontRef>
+        </p:style>
+        <p:txBody>
+          <a:bodyPr rtlCol="0" anchor="ctr"/>
+          <a:lstStyle/>
+          <a:p>
+            <a:pPr algn="ctr"/>
+            <a:r>
+              <a:rPr kumimoji="1" lang="en-US" altLang="zh-CN" b="1" dirty="0">
+                <a:solidFill>
+                  <a:srgbClr val="0070C0"/>
+                </a:solidFill>
+              </a:rPr>
+              <a:t>Serial / Ethernet</a:t>
+            </a:r>
+            <a:endParaRPr kumimoji="1" lang="zh-CN" altLang="en-US" b="1" dirty="0">
+              <a:solidFill>
+                <a:srgbClr val="0070C0"/>
+              </a:solidFill>
+            </a:endParaRPr>
+          </a:p>
+        </p:txBody>
+      </p:sp>
+      <p:cxnSp>
+        <p:nvCxnSpPr>
+          <p:cNvPr id="35" name="直线连接符 34">
+            <a:extLst>
+              <a:ext uri="{FF2B5EF4-FFF2-40B4-BE49-F238E27FC236}">
+                <a16:creationId xmlns:a16="http://schemas.microsoft.com/office/drawing/2014/main" id="{EF619093-9EF3-CA4E-AB63-403AFA6A2B07}"/>
+              </a:ext>
+            </a:extLst>
+          </p:cNvPr>
+          <p:cNvCxnSpPr>
+            <a:cxnSpLocks/>
+          </p:cNvCxnSpPr>
+          <p:nvPr/>
+        </p:nvCxnSpPr>
+        <p:spPr>
+          <a:xfrm>
+            <a:off x="4630599" y="3907583"/>
+            <a:ext cx="0" cy="177641"/>
+          </a:xfrm>
+          <a:prstGeom prst="line">
+            <a:avLst/>
+          </a:prstGeom>
+          <a:ln w="38100">
+            <a:solidFill>
+              <a:srgbClr val="FF5D4E"/>
+            </a:solidFill>
+          </a:ln>
+        </p:spPr>
+        <p:style>
+          <a:lnRef idx="1">
+            <a:schemeClr val="accent1"/>
+          </a:lnRef>
+          <a:fillRef idx="0">
+            <a:schemeClr val="accent1"/>
+          </a:fillRef>
+          <a:effectRef idx="0">
+            <a:schemeClr val="accent1"/>
+          </a:effectRef>
+          <a:fontRef idx="minor">
+            <a:schemeClr val="tx1"/>
+          </a:fontRef>
+        </p:style>
+      </p:cxnSp>
+      <p:cxnSp>
+        <p:nvCxnSpPr>
+          <p:cNvPr id="36" name="直线连接符 35">
+            <a:extLst>
+              <a:ext uri="{FF2B5EF4-FFF2-40B4-BE49-F238E27FC236}">
+                <a16:creationId xmlns:a16="http://schemas.microsoft.com/office/drawing/2014/main" id="{D4E950FB-61E6-7E4E-AC77-63B3132375AA}"/>
+              </a:ext>
+            </a:extLst>
+          </p:cNvPr>
+          <p:cNvCxnSpPr>
+            <a:cxnSpLocks/>
+          </p:cNvCxnSpPr>
+          <p:nvPr/>
+        </p:nvCxnSpPr>
+        <p:spPr>
+          <a:xfrm>
+            <a:off x="5856964" y="3901951"/>
+            <a:ext cx="0" cy="177641"/>
+          </a:xfrm>
+          <a:prstGeom prst="line">
+            <a:avLst/>
+          </a:prstGeom>
+          <a:ln w="38100">
+            <a:solidFill>
+              <a:srgbClr val="FF5D4E"/>
+            </a:solidFill>
+          </a:ln>
+        </p:spPr>
+        <p:style>
+          <a:lnRef idx="1">
+            <a:schemeClr val="accent1"/>
+          </a:lnRef>
+          <a:fillRef idx="0">
+            <a:schemeClr val="accent1"/>
+          </a:fillRef>
+          <a:effectRef idx="0">
+            <a:schemeClr val="accent1"/>
+          </a:effectRef>
+          <a:fontRef idx="minor">
+            <a:schemeClr val="tx1"/>
+          </a:fontRef>
+        </p:style>
+      </p:cxnSp>
+      <p:cxnSp>
+        <p:nvCxnSpPr>
+          <p:cNvPr id="37" name="直线连接符 36">
+            <a:extLst>
+              <a:ext uri="{FF2B5EF4-FFF2-40B4-BE49-F238E27FC236}">
+                <a16:creationId xmlns:a16="http://schemas.microsoft.com/office/drawing/2014/main" id="{003520A7-197E-E24A-A3D8-77B0E1484F15}"/>
+              </a:ext>
+            </a:extLst>
+          </p:cNvPr>
+          <p:cNvCxnSpPr>
+            <a:cxnSpLocks/>
+          </p:cNvCxnSpPr>
+          <p:nvPr/>
+        </p:nvCxnSpPr>
+        <p:spPr>
+          <a:xfrm>
+            <a:off x="7351853" y="3901951"/>
+            <a:ext cx="0" cy="177641"/>
+          </a:xfrm>
+          <a:prstGeom prst="line">
+            <a:avLst/>
+          </a:prstGeom>
+          <a:ln w="38100">
+            <a:solidFill>
+              <a:srgbClr val="FF5D4E"/>
+            </a:solidFill>
+          </a:ln>
+        </p:spPr>
+        <p:style>
+          <a:lnRef idx="1">
+            <a:schemeClr val="accent1"/>
+          </a:lnRef>
+          <a:fillRef idx="0">
+            <a:schemeClr val="accent1"/>
+          </a:fillRef>
+          <a:effectRef idx="0">
+            <a:schemeClr val="accent1"/>
+          </a:effectRef>
+          <a:fontRef idx="minor">
+            <a:schemeClr val="tx1"/>
+          </a:fontRef>
+        </p:style>
+      </p:cxnSp>
+    </p:spTree>
+    <p:extLst>
+      <p:ext uri="{BB962C8B-B14F-4D97-AF65-F5344CB8AC3E}">
+        <p14:creationId xmlns:p14="http://schemas.microsoft.com/office/powerpoint/2010/main" val="3014517329"/>
+      </p:ext>
+    </p:extLst>
+  </p:cSld>
+  <p:clrMapOvr>
+    <a:masterClrMapping/>
+  </p:clrMapOvr>
+</p:sld>
+</file>
+
+<file path=ppt/slides/slide2.xml><?xml version="1.0" encoding="utf-8"?>
+<p:sld xmlns:a="http://schemas.openxmlformats.org/drawingml/2006/main" xmlns:r="http://schemas.openxmlformats.org/officeDocument/2006/relationships" xmlns:p="http://schemas.openxmlformats.org/presentationml/2006/main">
+  <p:cSld>
+    <p:spTree>
+      <p:nvGrpSpPr>
+        <p:cNvPr id="1" name=""/>
+        <p:cNvGrpSpPr/>
+        <p:nvPr/>
+      </p:nvGrpSpPr>
+      <p:grpSpPr>
+        <a:xfrm>
+          <a:off x="0" y="0"/>
+          <a:ext cx="0" cy="0"/>
+          <a:chOff x="0" y="0"/>
+          <a:chExt cx="0" cy="0"/>
+        </a:xfrm>
+      </p:grpSpPr>
+      <p:sp>
+        <p:nvSpPr>
+          <p:cNvPr id="4" name="矩形 3">
+            <a:extLst>
+              <a:ext uri="{FF2B5EF4-FFF2-40B4-BE49-F238E27FC236}">
+                <a16:creationId xmlns:a16="http://schemas.microsoft.com/office/drawing/2014/main" id="{6998DB2C-9000-E04E-9159-F03AB3E8BAC3}"/>
+              </a:ext>
+            </a:extLst>
+          </p:cNvPr>
+          <p:cNvSpPr/>
+          <p:nvPr/>
+        </p:nvSpPr>
+        <p:spPr>
+          <a:xfrm>
+            <a:off x="4658987" y="1698005"/>
+            <a:ext cx="1665547" cy="746449"/>
+          </a:xfrm>
+          <a:prstGeom prst="rect">
+            <a:avLst/>
+          </a:prstGeom>
+          <a:solidFill>
+            <a:srgbClr val="FFF875"/>
+          </a:solidFill>
+          <a:ln w="19050">
+            <a:noFill/>
+          </a:ln>
+        </p:spPr>
+        <p:style>
+          <a:lnRef idx="2">
+            <a:schemeClr val="accent1">
+              <a:shade val="50000"/>
+            </a:schemeClr>
+          </a:lnRef>
+          <a:fillRef idx="1">
+            <a:schemeClr val="accent1"/>
+          </a:fillRef>
+          <a:effectRef idx="0">
+            <a:schemeClr val="accent1"/>
+          </a:effectRef>
+          <a:fontRef idx="minor">
+            <a:schemeClr val="lt1"/>
+          </a:fontRef>
+        </p:style>
+        <p:txBody>
+          <a:bodyPr rtlCol="0" anchor="ctr"/>
+          <a:lstStyle/>
+          <a:p>
+            <a:pPr algn="ctr"/>
+            <a:r>
+              <a:rPr kumimoji="1" lang="zh-CN" altLang="en-US" b="1" dirty="0">
+                <a:solidFill>
+                  <a:schemeClr val="bg2">
+                    <a:lumMod val="50000"/>
+                  </a:schemeClr>
+                </a:solidFill>
+              </a:rPr>
+              <a:t>人机界面</a:t>
+            </a:r>
+            <a:r>
+              <a:rPr kumimoji="1" lang="en-US" altLang="zh-CN" b="1" dirty="0">
+                <a:solidFill>
+                  <a:schemeClr val="bg2">
+                    <a:lumMod val="50000"/>
+                  </a:schemeClr>
+                </a:solidFill>
+              </a:rPr>
+              <a:t>/</a:t>
+            </a:r>
+          </a:p>
+          <a:p>
+            <a:pPr algn="ctr"/>
+            <a:r>
+              <a:rPr kumimoji="1" lang="zh-CN" altLang="en-US" b="1" dirty="0">
+                <a:solidFill>
+                  <a:schemeClr val="bg2">
+                    <a:lumMod val="50000"/>
+                  </a:schemeClr>
+                </a:solidFill>
+              </a:rPr>
+              <a:t>感知决策</a:t>
+            </a:r>
+          </a:p>
+        </p:txBody>
+      </p:sp>
+      <p:sp>
+        <p:nvSpPr>
+          <p:cNvPr id="6" name="矩形 5">
+            <a:extLst>
+              <a:ext uri="{FF2B5EF4-FFF2-40B4-BE49-F238E27FC236}">
+                <a16:creationId xmlns:a16="http://schemas.microsoft.com/office/drawing/2014/main" id="{799C4AB6-F5B5-604C-A88A-32DC5B166606}"/>
+              </a:ext>
+            </a:extLst>
+          </p:cNvPr>
+          <p:cNvSpPr/>
+          <p:nvPr/>
+        </p:nvSpPr>
+        <p:spPr>
+          <a:xfrm>
+            <a:off x="4658987" y="2875127"/>
+            <a:ext cx="1672426" cy="596151"/>
+          </a:xfrm>
+          <a:prstGeom prst="rect">
+            <a:avLst/>
+          </a:prstGeom>
+          <a:solidFill>
+            <a:schemeClr val="accent2">
+              <a:lumMod val="60000"/>
+              <a:lumOff val="40000"/>
+            </a:schemeClr>
+          </a:solidFill>
+          <a:ln>
+            <a:noFill/>
+          </a:ln>
+        </p:spPr>
+        <p:style>
+          <a:lnRef idx="2">
+            <a:schemeClr val="accent1">
+              <a:shade val="50000"/>
+            </a:schemeClr>
+          </a:lnRef>
+          <a:fillRef idx="1">
+            <a:schemeClr val="accent1"/>
+          </a:fillRef>
+          <a:effectRef idx="0">
+            <a:schemeClr val="accent1"/>
+          </a:effectRef>
+          <a:fontRef idx="minor">
+            <a:schemeClr val="lt1"/>
+          </a:fontRef>
+        </p:style>
+        <p:txBody>
+          <a:bodyPr rtlCol="0" anchor="ctr"/>
+          <a:lstStyle/>
+          <a:p>
+            <a:pPr algn="ctr"/>
+            <a:r>
+              <a:rPr kumimoji="1" lang="zh-CN" altLang="en-US" b="1" dirty="0">
+                <a:solidFill>
+                  <a:schemeClr val="bg1"/>
+                </a:solidFill>
+              </a:rPr>
+              <a:t>实时运动控制</a:t>
+            </a:r>
+          </a:p>
+        </p:txBody>
+      </p:sp>
+      <p:sp>
+        <p:nvSpPr>
+          <p:cNvPr id="8" name="矩形 7">
+            <a:extLst>
+              <a:ext uri="{FF2B5EF4-FFF2-40B4-BE49-F238E27FC236}">
+                <a16:creationId xmlns:a16="http://schemas.microsoft.com/office/drawing/2014/main" id="{4BA9923C-8947-D245-BAE2-CCE6812EC93A}"/>
+              </a:ext>
+            </a:extLst>
+          </p:cNvPr>
+          <p:cNvSpPr/>
+          <p:nvPr/>
+        </p:nvSpPr>
+        <p:spPr>
+          <a:xfrm>
+            <a:off x="4191416" y="4332624"/>
+            <a:ext cx="948899" cy="634789"/>
+          </a:xfrm>
+          <a:prstGeom prst="rect">
+            <a:avLst/>
+          </a:prstGeom>
+          <a:solidFill>
+            <a:srgbClr val="92D050"/>
+          </a:solidFill>
+          <a:ln>
+            <a:noFill/>
+          </a:ln>
+        </p:spPr>
+        <p:style>
+          <a:lnRef idx="2">
+            <a:schemeClr val="accent1">
+              <a:shade val="50000"/>
+            </a:schemeClr>
+          </a:lnRef>
+          <a:fillRef idx="1">
+            <a:schemeClr val="accent1"/>
+          </a:fillRef>
+          <a:effectRef idx="0">
+            <a:schemeClr val="accent1"/>
+          </a:effectRef>
+          <a:fontRef idx="minor">
+            <a:schemeClr val="lt1"/>
+          </a:fontRef>
+        </p:style>
+        <p:txBody>
+          <a:bodyPr rtlCol="0" anchor="ctr"/>
+          <a:lstStyle/>
+          <a:p>
+            <a:pPr algn="ctr"/>
+            <a:r>
+              <a:rPr kumimoji="1" lang="zh-CN" altLang="en-US" b="1" dirty="0">
+                <a:solidFill>
+                  <a:schemeClr val="bg1"/>
+                </a:solidFill>
+              </a:rPr>
+              <a:t>执行器</a:t>
+            </a:r>
+            <a:endParaRPr kumimoji="1" lang="en-US" altLang="zh-CN" b="1" dirty="0">
+              <a:solidFill>
+                <a:schemeClr val="bg1"/>
+              </a:solidFill>
+            </a:endParaRPr>
+          </a:p>
+          <a:p>
+            <a:pPr algn="ctr"/>
+            <a:r>
+              <a:rPr kumimoji="1" lang="en-US" altLang="zh-CN" b="1" dirty="0">
+                <a:solidFill>
+                  <a:schemeClr val="bg1"/>
+                </a:solidFill>
+              </a:rPr>
+              <a:t>N</a:t>
+            </a:r>
+            <a:endParaRPr kumimoji="1" lang="zh-CN" altLang="en-US" b="1" dirty="0">
+              <a:solidFill>
+                <a:schemeClr val="bg1"/>
+              </a:solidFill>
+            </a:endParaRPr>
+          </a:p>
+        </p:txBody>
+      </p:sp>
+      <p:sp>
+        <p:nvSpPr>
+          <p:cNvPr id="13" name="矩形 12">
+            <a:extLst>
+              <a:ext uri="{FF2B5EF4-FFF2-40B4-BE49-F238E27FC236}">
+                <a16:creationId xmlns:a16="http://schemas.microsoft.com/office/drawing/2014/main" id="{D12F5B1D-A9A0-2742-AE5C-8E31EEB990D4}"/>
+              </a:ext>
+            </a:extLst>
+          </p:cNvPr>
+          <p:cNvSpPr/>
+          <p:nvPr/>
+        </p:nvSpPr>
+        <p:spPr>
+          <a:xfrm>
+            <a:off x="2990334" y="2768156"/>
+            <a:ext cx="1326781" cy="698942"/>
+          </a:xfrm>
+          <a:prstGeom prst="rect">
+            <a:avLst/>
+          </a:prstGeom>
+          <a:solidFill>
+            <a:schemeClr val="tx2">
+              <a:lumMod val="60000"/>
+              <a:lumOff val="40000"/>
+            </a:schemeClr>
+          </a:solidFill>
+          <a:ln>
+            <a:noFill/>
+          </a:ln>
+        </p:spPr>
+        <p:style>
+          <a:lnRef idx="2">
+            <a:schemeClr val="accent1">
+              <a:shade val="50000"/>
+            </a:schemeClr>
+          </a:lnRef>
+          <a:fillRef idx="1">
+            <a:schemeClr val="accent1"/>
+          </a:fillRef>
+          <a:effectRef idx="0">
+            <a:schemeClr val="accent1"/>
+          </a:effectRef>
+          <a:fontRef idx="minor">
+            <a:schemeClr val="lt1"/>
+          </a:fontRef>
+        </p:style>
+        <p:txBody>
+          <a:bodyPr rtlCol="0" anchor="ctr"/>
+          <a:lstStyle/>
+          <a:p>
+            <a:pPr algn="ctr"/>
+            <a:r>
+              <a:rPr kumimoji="1" lang="zh-CN" altLang="en-US" b="1" dirty="0">
+                <a:solidFill>
+                  <a:schemeClr val="bg1"/>
+                </a:solidFill>
+              </a:rPr>
+              <a:t>总线监控</a:t>
+            </a:r>
+            <a:r>
+              <a:rPr kumimoji="1" lang="en-US" altLang="zh-CN" b="1" dirty="0">
+                <a:solidFill>
+                  <a:schemeClr val="bg1"/>
+                </a:solidFill>
+              </a:rPr>
+              <a:t>/</a:t>
+            </a:r>
+            <a:r>
+              <a:rPr kumimoji="1" lang="zh-CN" altLang="en-US" b="1" dirty="0">
+                <a:solidFill>
+                  <a:schemeClr val="bg1"/>
+                </a:solidFill>
+              </a:rPr>
+              <a:t>状态监控</a:t>
+            </a:r>
+          </a:p>
+        </p:txBody>
+      </p:sp>
+      <p:sp>
+        <p:nvSpPr>
+          <p:cNvPr id="16" name="矩形 15">
+            <a:extLst>
+              <a:ext uri="{FF2B5EF4-FFF2-40B4-BE49-F238E27FC236}">
+                <a16:creationId xmlns:a16="http://schemas.microsoft.com/office/drawing/2014/main" id="{0B91E32E-D71E-E248-BF26-B9844D24DE62}"/>
+              </a:ext>
+            </a:extLst>
+          </p:cNvPr>
+          <p:cNvSpPr/>
+          <p:nvPr/>
+        </p:nvSpPr>
+        <p:spPr>
+          <a:xfrm>
             <a:off x="2752024" y="4332624"/>
             <a:ext cx="948898" cy="634791"/>
           </a:xfrm>
@@ -4043,265 +5173,6 @@
       </p:sp>
       <p:cxnSp>
         <p:nvCxnSpPr>
-          <p:cNvPr id="21" name="直线连接符 20">
-            <a:extLst>
-              <a:ext uri="{FF2B5EF4-FFF2-40B4-BE49-F238E27FC236}">
-                <a16:creationId xmlns:a16="http://schemas.microsoft.com/office/drawing/2014/main" id="{83B356E7-D790-6841-8FB4-FEB229BDF2CA}"/>
-              </a:ext>
-            </a:extLst>
-          </p:cNvPr>
-          <p:cNvCxnSpPr>
-            <a:cxnSpLocks/>
-            <a:endCxn id="16" idx="0"/>
-          </p:cNvCxnSpPr>
-          <p:nvPr/>
-        </p:nvCxnSpPr>
-        <p:spPr>
-          <a:xfrm>
-            <a:off x="3226473" y="3901951"/>
-            <a:ext cx="0" cy="430673"/>
-          </a:xfrm>
-          <a:prstGeom prst="line">
-            <a:avLst/>
-          </a:prstGeom>
-          <a:ln w="38100">
-            <a:solidFill>
-              <a:srgbClr val="FF5D4E"/>
-            </a:solidFill>
-          </a:ln>
-        </p:spPr>
-        <p:style>
-          <a:lnRef idx="1">
-            <a:schemeClr val="accent1"/>
-          </a:lnRef>
-          <a:fillRef idx="0">
-            <a:schemeClr val="accent1"/>
-          </a:fillRef>
-          <a:effectRef idx="0">
-            <a:schemeClr val="accent1"/>
-          </a:effectRef>
-          <a:fontRef idx="minor">
-            <a:schemeClr val="tx1"/>
-          </a:fontRef>
-        </p:style>
-      </p:cxnSp>
-      <p:cxnSp>
-        <p:nvCxnSpPr>
-          <p:cNvPr id="24" name="直线连接符 23">
-            <a:extLst>
-              <a:ext uri="{FF2B5EF4-FFF2-40B4-BE49-F238E27FC236}">
-                <a16:creationId xmlns:a16="http://schemas.microsoft.com/office/drawing/2014/main" id="{83F5B66B-A151-E045-ACE7-0EC36B2B1C4A}"/>
-              </a:ext>
-            </a:extLst>
-          </p:cNvPr>
-          <p:cNvCxnSpPr>
-            <a:cxnSpLocks/>
-          </p:cNvCxnSpPr>
-          <p:nvPr/>
-        </p:nvCxnSpPr>
-        <p:spPr>
-          <a:xfrm>
-            <a:off x="4658987" y="3901951"/>
-            <a:ext cx="0" cy="430673"/>
-          </a:xfrm>
-          <a:prstGeom prst="line">
-            <a:avLst/>
-          </a:prstGeom>
-          <a:ln w="38100">
-            <a:solidFill>
-              <a:srgbClr val="FF5D4E"/>
-            </a:solidFill>
-          </a:ln>
-        </p:spPr>
-        <p:style>
-          <a:lnRef idx="1">
-            <a:schemeClr val="accent1"/>
-          </a:lnRef>
-          <a:fillRef idx="0">
-            <a:schemeClr val="accent1"/>
-          </a:fillRef>
-          <a:effectRef idx="0">
-            <a:schemeClr val="accent1"/>
-          </a:effectRef>
-          <a:fontRef idx="minor">
-            <a:schemeClr val="tx1"/>
-          </a:fontRef>
-        </p:style>
-      </p:cxnSp>
-      <p:cxnSp>
-        <p:nvCxnSpPr>
-          <p:cNvPr id="25" name="直线连接符 24">
-            <a:extLst>
-              <a:ext uri="{FF2B5EF4-FFF2-40B4-BE49-F238E27FC236}">
-                <a16:creationId xmlns:a16="http://schemas.microsoft.com/office/drawing/2014/main" id="{0F3E9D9D-6BBC-FC47-8614-EA771D086903}"/>
-              </a:ext>
-            </a:extLst>
-          </p:cNvPr>
-          <p:cNvCxnSpPr>
-            <a:cxnSpLocks/>
-          </p:cNvCxnSpPr>
-          <p:nvPr/>
-        </p:nvCxnSpPr>
-        <p:spPr>
-          <a:xfrm>
-            <a:off x="5882837" y="3901951"/>
-            <a:ext cx="0" cy="430673"/>
-          </a:xfrm>
-          <a:prstGeom prst="line">
-            <a:avLst/>
-          </a:prstGeom>
-          <a:ln w="38100">
-            <a:solidFill>
-              <a:srgbClr val="FF5D4E"/>
-            </a:solidFill>
-          </a:ln>
-        </p:spPr>
-        <p:style>
-          <a:lnRef idx="1">
-            <a:schemeClr val="accent1"/>
-          </a:lnRef>
-          <a:fillRef idx="0">
-            <a:schemeClr val="accent1"/>
-          </a:fillRef>
-          <a:effectRef idx="0">
-            <a:schemeClr val="accent1"/>
-          </a:effectRef>
-          <a:fontRef idx="minor">
-            <a:schemeClr val="tx1"/>
-          </a:fontRef>
-        </p:style>
-      </p:cxnSp>
-      <p:cxnSp>
-        <p:nvCxnSpPr>
-          <p:cNvPr id="26" name="直线连接符 25">
-            <a:extLst>
-              <a:ext uri="{FF2B5EF4-FFF2-40B4-BE49-F238E27FC236}">
-                <a16:creationId xmlns:a16="http://schemas.microsoft.com/office/drawing/2014/main" id="{94E6F342-FBAF-3445-BDFD-A4EA66B5B891}"/>
-              </a:ext>
-            </a:extLst>
-          </p:cNvPr>
-          <p:cNvCxnSpPr>
-            <a:cxnSpLocks/>
-          </p:cNvCxnSpPr>
-          <p:nvPr/>
-        </p:nvCxnSpPr>
-        <p:spPr>
-          <a:xfrm>
-            <a:off x="7420891" y="3901951"/>
-            <a:ext cx="0" cy="430673"/>
-          </a:xfrm>
-          <a:prstGeom prst="line">
-            <a:avLst/>
-          </a:prstGeom>
-          <a:ln w="38100">
-            <a:solidFill>
-              <a:srgbClr val="FF5D4E"/>
-            </a:solidFill>
-          </a:ln>
-        </p:spPr>
-        <p:style>
-          <a:lnRef idx="1">
-            <a:schemeClr val="accent1"/>
-          </a:lnRef>
-          <a:fillRef idx="0">
-            <a:schemeClr val="accent1"/>
-          </a:fillRef>
-          <a:effectRef idx="0">
-            <a:schemeClr val="accent1"/>
-          </a:effectRef>
-          <a:fontRef idx="minor">
-            <a:schemeClr val="tx1"/>
-          </a:fontRef>
-        </p:style>
-      </p:cxnSp>
-      <p:cxnSp>
-        <p:nvCxnSpPr>
-          <p:cNvPr id="27" name="直线连接符 26">
-            <a:extLst>
-              <a:ext uri="{FF2B5EF4-FFF2-40B4-BE49-F238E27FC236}">
-                <a16:creationId xmlns:a16="http://schemas.microsoft.com/office/drawing/2014/main" id="{5C77DBCF-111F-D64E-854B-BF425BEEAB21}"/>
-              </a:ext>
-            </a:extLst>
-          </p:cNvPr>
-          <p:cNvCxnSpPr>
-            <a:cxnSpLocks/>
-          </p:cNvCxnSpPr>
-          <p:nvPr/>
-        </p:nvCxnSpPr>
-        <p:spPr>
-          <a:xfrm>
-            <a:off x="5498639" y="3471278"/>
-            <a:ext cx="0" cy="430673"/>
-          </a:xfrm>
-          <a:prstGeom prst="line">
-            <a:avLst/>
-          </a:prstGeom>
-          <a:ln w="38100">
-            <a:solidFill>
-              <a:srgbClr val="FF5D4E"/>
-            </a:solidFill>
-          </a:ln>
-        </p:spPr>
-        <p:style>
-          <a:lnRef idx="1">
-            <a:schemeClr val="accent1"/>
-          </a:lnRef>
-          <a:fillRef idx="0">
-            <a:schemeClr val="accent1"/>
-          </a:fillRef>
-          <a:effectRef idx="0">
-            <a:schemeClr val="accent1"/>
-          </a:effectRef>
-          <a:fontRef idx="minor">
-            <a:schemeClr val="tx1"/>
-          </a:fontRef>
-        </p:style>
-      </p:cxnSp>
-      <p:cxnSp>
-        <p:nvCxnSpPr>
-          <p:cNvPr id="30" name="直线连接符 29">
-            <a:extLst>
-              <a:ext uri="{FF2B5EF4-FFF2-40B4-BE49-F238E27FC236}">
-                <a16:creationId xmlns:a16="http://schemas.microsoft.com/office/drawing/2014/main" id="{5D4A28F6-E363-6D4D-999B-63ED0419AF75}"/>
-              </a:ext>
-            </a:extLst>
-          </p:cNvPr>
-          <p:cNvCxnSpPr>
-            <a:cxnSpLocks/>
-          </p:cNvCxnSpPr>
-          <p:nvPr/>
-        </p:nvCxnSpPr>
-        <p:spPr>
-          <a:xfrm>
-            <a:off x="3616293" y="3471278"/>
-            <a:ext cx="0" cy="430673"/>
-          </a:xfrm>
-          <a:prstGeom prst="line">
-            <a:avLst/>
-          </a:prstGeom>
-          <a:ln w="38100">
-            <a:solidFill>
-              <a:srgbClr val="FF5D4E"/>
-            </a:solidFill>
-          </a:ln>
-        </p:spPr>
-        <p:style>
-          <a:lnRef idx="1">
-            <a:schemeClr val="accent1"/>
-          </a:lnRef>
-          <a:fillRef idx="0">
-            <a:schemeClr val="accent1"/>
-          </a:fillRef>
-          <a:effectRef idx="0">
-            <a:schemeClr val="accent1"/>
-          </a:effectRef>
-          <a:fontRef idx="minor">
-            <a:schemeClr val="tx1"/>
-          </a:fontRef>
-        </p:style>
-      </p:cxnSp>
-      <p:cxnSp>
-        <p:nvCxnSpPr>
           <p:cNvPr id="31" name="直线连接符 30">
             <a:extLst>
               <a:ext uri="{FF2B5EF4-FFF2-40B4-BE49-F238E27FC236}">
@@ -4339,68 +5210,6 @@
           </a:fontRef>
         </p:style>
       </p:cxnSp>
-      <p:sp>
-        <p:nvSpPr>
-          <p:cNvPr id="32" name="矩形 31">
-            <a:extLst>
-              <a:ext uri="{FF2B5EF4-FFF2-40B4-BE49-F238E27FC236}">
-                <a16:creationId xmlns:a16="http://schemas.microsoft.com/office/drawing/2014/main" id="{6DEB8598-B11E-6444-A0AA-8637E479EB86}"/>
-              </a:ext>
-            </a:extLst>
-          </p:cNvPr>
-          <p:cNvSpPr/>
-          <p:nvPr/>
-        </p:nvSpPr>
-        <p:spPr>
-          <a:xfrm>
-            <a:off x="5469996" y="3398555"/>
-            <a:ext cx="2635919" cy="634791"/>
-          </a:xfrm>
-          <a:prstGeom prst="rect">
-            <a:avLst/>
-          </a:prstGeom>
-          <a:noFill/>
-          <a:ln>
-            <a:noFill/>
-          </a:ln>
-        </p:spPr>
-        <p:style>
-          <a:lnRef idx="2">
-            <a:schemeClr val="accent1">
-              <a:shade val="50000"/>
-            </a:schemeClr>
-          </a:lnRef>
-          <a:fillRef idx="1">
-            <a:schemeClr val="accent1"/>
-          </a:fillRef>
-          <a:effectRef idx="0">
-            <a:schemeClr val="accent1"/>
-          </a:effectRef>
-          <a:fontRef idx="minor">
-            <a:schemeClr val="lt1"/>
-          </a:fontRef>
-        </p:style>
-        <p:txBody>
-          <a:bodyPr rtlCol="0" anchor="ctr"/>
-          <a:lstStyle/>
-          <a:p>
-            <a:pPr algn="ctr"/>
-            <a:r>
-              <a:rPr kumimoji="1" lang="en-US" altLang="zh-CN" b="1" dirty="0">
-                <a:solidFill>
-                  <a:srgbClr val="FF5D4E"/>
-                </a:solidFill>
-              </a:rPr>
-              <a:t>CAN / RS-485 / UART</a:t>
-            </a:r>
-            <a:endParaRPr kumimoji="1" lang="zh-CN" altLang="en-US" b="1" dirty="0">
-              <a:solidFill>
-                <a:srgbClr val="FF5D4E"/>
-              </a:solidFill>
-            </a:endParaRPr>
-          </a:p>
-        </p:txBody>
-      </p:sp>
       <p:sp>
         <p:nvSpPr>
           <p:cNvPr id="33" name="矩形 32">
@@ -4466,7 +5275,7 @@
     </p:spTree>
     <p:extLst>
       <p:ext uri="{BB962C8B-B14F-4D97-AF65-F5344CB8AC3E}">
-        <p14:creationId xmlns:p14="http://schemas.microsoft.com/office/powerpoint/2010/main" val="3014517329"/>
+        <p14:creationId xmlns:p14="http://schemas.microsoft.com/office/powerpoint/2010/main" val="3148537577"/>
       </p:ext>
     </p:extLst>
   </p:cSld>

--- a/docs/img/文档插图.pptx
+++ b/docs/img/文档插图.pptx
@@ -4226,7 +4226,7 @@
         <p:spPr>
           <a:xfrm>
             <a:off x="5469996" y="3398555"/>
-            <a:ext cx="2635919" cy="634791"/>
+            <a:ext cx="2907647" cy="634791"/>
           </a:xfrm>
           <a:prstGeom prst="rect">
             <a:avLst/>
@@ -4263,7 +4263,7 @@
                   <a:srgbClr val="FF5D4E"/>
                 </a:solidFill>
               </a:rPr>
-              <a:t>CAN / RS-485 / UART</a:t>
+              <a:t>CAN / RS-485 / EtherCAT</a:t>
             </a:r>
             <a:endParaRPr kumimoji="1" lang="zh-CN" altLang="en-US" b="1" dirty="0">
               <a:solidFill>
@@ -4496,10 +4496,10 @@
       </p:grpSpPr>
       <p:sp>
         <p:nvSpPr>
-          <p:cNvPr id="4" name="矩形 3">
-            <a:extLst>
-              <a:ext uri="{FF2B5EF4-FFF2-40B4-BE49-F238E27FC236}">
-                <a16:creationId xmlns:a16="http://schemas.microsoft.com/office/drawing/2014/main" id="{6998DB2C-9000-E04E-9159-F03AB3E8BAC3}"/>
+          <p:cNvPr id="3" name="矩形 2">
+            <a:extLst>
+              <a:ext uri="{FF2B5EF4-FFF2-40B4-BE49-F238E27FC236}">
+                <a16:creationId xmlns:a16="http://schemas.microsoft.com/office/drawing/2014/main" id="{3A70A077-D5FE-9745-B3D1-7F4C69B9A2E5}"/>
               </a:ext>
             </a:extLst>
           </p:cNvPr>
@@ -4508,7 +4508,81 @@
         </p:nvSpPr>
         <p:spPr>
           <a:xfrm>
-            <a:off x="4658987" y="1698005"/>
+            <a:off x="4310744" y="2586446"/>
+            <a:ext cx="3657599" cy="1968138"/>
+          </a:xfrm>
+          <a:prstGeom prst="rect">
+            <a:avLst/>
+          </a:prstGeom>
+          <a:solidFill>
+            <a:schemeClr val="accent4">
+              <a:lumMod val="20000"/>
+              <a:lumOff val="80000"/>
+            </a:schemeClr>
+          </a:solidFill>
+          <a:ln>
+            <a:noFill/>
+          </a:ln>
+        </p:spPr>
+        <p:style>
+          <a:lnRef idx="2">
+            <a:schemeClr val="accent1">
+              <a:shade val="50000"/>
+            </a:schemeClr>
+          </a:lnRef>
+          <a:fillRef idx="1">
+            <a:schemeClr val="accent1"/>
+          </a:fillRef>
+          <a:effectRef idx="0">
+            <a:schemeClr val="accent1"/>
+          </a:effectRef>
+          <a:fontRef idx="minor">
+            <a:schemeClr val="lt1"/>
+          </a:fontRef>
+        </p:style>
+        <p:txBody>
+          <a:bodyPr rtlCol="0" anchor="t"/>
+          <a:lstStyle/>
+          <a:p>
+            <a:r>
+              <a:rPr kumimoji="1" lang="zh-CN" altLang="en-US" b="1" dirty="0">
+                <a:solidFill>
+                  <a:schemeClr val="accent2"/>
+                </a:solidFill>
+              </a:rPr>
+              <a:t>域控制器</a:t>
+            </a:r>
+            <a:r>
+              <a:rPr kumimoji="1" lang="en-US" altLang="zh-CN" b="1">
+                <a:solidFill>
+                  <a:schemeClr val="accent2"/>
+                </a:solidFill>
+              </a:rPr>
+              <a:t>DCU</a:t>
+            </a:r>
+            <a:endParaRPr kumimoji="1" lang="zh-CN" altLang="en-US" b="1" dirty="0">
+              <a:solidFill>
+                <a:schemeClr val="accent2"/>
+              </a:solidFill>
+            </a:endParaRPr>
+          </a:p>
+        </p:txBody>
+      </p:sp>
+      <p:sp>
+        <p:nvSpPr>
+          <p:cNvPr id="4" name="矩形 3">
+            <a:extLst>
+              <a:ext uri="{FF2B5EF4-FFF2-40B4-BE49-F238E27FC236}">
+                <a16:creationId xmlns:a16="http://schemas.microsoft.com/office/drawing/2014/main" id="{6998DB2C-9000-E04E-9159-F03AB3E8BAC3}"/>
+              </a:ext>
+            </a:extLst>
+          </p:cNvPr>
+          <p:cNvSpPr/>
+          <p:nvPr/>
+        </p:nvSpPr>
+        <p:spPr>
+          <a:xfrm>
+            <a:off x="5106561" y="1466095"/>
             <a:ext cx="1665547" cy="746449"/>
           </a:xfrm>
           <a:prstGeom prst="rect">
@@ -4592,7 +4666,7 @@
         </p:nvSpPr>
         <p:spPr>
           <a:xfrm>
-            <a:off x="4658987" y="2875127"/>
+            <a:off x="4779982" y="3041281"/>
             <a:ext cx="1672426" cy="596151"/>
           </a:xfrm>
           <a:prstGeom prst="rect">
@@ -4654,7 +4728,7 @@
         </p:nvSpPr>
         <p:spPr>
           <a:xfrm>
-            <a:off x="4191416" y="4332624"/>
+            <a:off x="5753197" y="3834755"/>
             <a:ext cx="948899" cy="634789"/>
           </a:xfrm>
           <a:prstGeom prst="rect">
@@ -4734,7 +4808,7 @@
         </p:nvSpPr>
         <p:spPr>
           <a:xfrm>
-            <a:off x="2990334" y="2768156"/>
+            <a:off x="2824015" y="2992443"/>
             <a:ext cx="1326781" cy="698942"/>
           </a:xfrm>
           <a:prstGeom prst="rect">
@@ -4777,22 +4851,6 @@
                   <a:schemeClr val="bg1"/>
                 </a:solidFill>
               </a:rPr>
-              <a:t>总线监控</a:t>
-            </a:r>
-            <a:r>
-              <a:rPr kumimoji="1" lang="en-US" altLang="zh-CN" b="1" dirty="0">
-                <a:solidFill>
-                  <a:schemeClr val="bg1"/>
-                </a:solidFill>
-              </a:rPr>
-              <a:t>/</a:t>
-            </a:r>
-            <a:r>
-              <a:rPr kumimoji="1" lang="zh-CN" altLang="en-US" b="1" dirty="0">
-                <a:solidFill>
-                  <a:schemeClr val="bg1"/>
-                </a:solidFill>
-              </a:rPr>
               <a:t>状态监控</a:t>
             </a:r>
           </a:p>
@@ -4812,7 +4870,7 @@
         </p:nvSpPr>
         <p:spPr>
           <a:xfrm>
-            <a:off x="2752024" y="4332624"/>
+            <a:off x="4379079" y="3836108"/>
             <a:ext cx="948898" cy="634791"/>
           </a:xfrm>
           <a:prstGeom prst="rect">
@@ -4883,10 +4941,10 @@
       </p:sp>
       <p:sp>
         <p:nvSpPr>
-          <p:cNvPr id="17" name="矩形 16">
-            <a:extLst>
-              <a:ext uri="{FF2B5EF4-FFF2-40B4-BE49-F238E27FC236}">
-                <a16:creationId xmlns:a16="http://schemas.microsoft.com/office/drawing/2014/main" id="{2D26C478-4B97-F342-842C-A0A4C1DA4ECC}"/>
+          <p:cNvPr id="18" name="矩形 17">
+            <a:extLst>
+              <a:ext uri="{FF2B5EF4-FFF2-40B4-BE49-F238E27FC236}">
+                <a16:creationId xmlns:a16="http://schemas.microsoft.com/office/drawing/2014/main" id="{E3B98836-AFDD-724D-8DAF-FFFCA1164A0C}"/>
               </a:ext>
             </a:extLst>
           </p:cNvPr>
@@ -4895,69 +4953,7 @@
         </p:nvSpPr>
         <p:spPr>
           <a:xfrm>
-            <a:off x="3718860" y="4332141"/>
-            <a:ext cx="454617" cy="634791"/>
-          </a:xfrm>
-          <a:prstGeom prst="rect">
-            <a:avLst/>
-          </a:prstGeom>
-          <a:noFill/>
-          <a:ln>
-            <a:noFill/>
-          </a:ln>
-        </p:spPr>
-        <p:style>
-          <a:lnRef idx="2">
-            <a:schemeClr val="accent1">
-              <a:shade val="50000"/>
-            </a:schemeClr>
-          </a:lnRef>
-          <a:fillRef idx="1">
-            <a:schemeClr val="accent1"/>
-          </a:fillRef>
-          <a:effectRef idx="0">
-            <a:schemeClr val="accent1"/>
-          </a:effectRef>
-          <a:fontRef idx="minor">
-            <a:schemeClr val="lt1"/>
-          </a:fontRef>
-        </p:style>
-        <p:txBody>
-          <a:bodyPr rtlCol="0" anchor="ctr"/>
-          <a:lstStyle/>
-          <a:p>
-            <a:pPr algn="ctr"/>
-            <a:r>
-              <a:rPr kumimoji="1" lang="en-US" altLang="zh-CN" b="1" dirty="0">
-                <a:solidFill>
-                  <a:schemeClr val="bg1"/>
-                </a:solidFill>
-              </a:rPr>
-              <a:t>…</a:t>
-            </a:r>
-            <a:endParaRPr kumimoji="1" lang="zh-CN" altLang="en-US" b="1" dirty="0">
-              <a:solidFill>
-                <a:schemeClr val="bg1"/>
-              </a:solidFill>
-            </a:endParaRPr>
-          </a:p>
-        </p:txBody>
-      </p:sp>
-      <p:sp>
-        <p:nvSpPr>
-          <p:cNvPr id="18" name="矩形 17">
-            <a:extLst>
-              <a:ext uri="{FF2B5EF4-FFF2-40B4-BE49-F238E27FC236}">
-                <a16:creationId xmlns:a16="http://schemas.microsoft.com/office/drawing/2014/main" id="{E3B98836-AFDD-724D-8DAF-FFFCA1164A0C}"/>
-              </a:ext>
-            </a:extLst>
-          </p:cNvPr>
-          <p:cNvSpPr/>
-          <p:nvPr/>
-        </p:nvSpPr>
-        <p:spPr>
-          <a:xfrm>
-            <a:off x="5408388" y="4332622"/>
+            <a:off x="6859497" y="2798680"/>
             <a:ext cx="948898" cy="634791"/>
           </a:xfrm>
           <a:prstGeom prst="rect">
@@ -5040,7 +5036,7 @@
         </p:nvSpPr>
         <p:spPr>
           <a:xfrm>
-            <a:off x="6920369" y="4332140"/>
+            <a:off x="6859496" y="3736476"/>
             <a:ext cx="948898" cy="634791"/>
           </a:xfrm>
           <a:prstGeom prst="rect">
@@ -5109,12 +5105,52 @@
           </a:p>
         </p:txBody>
       </p:sp>
-      <p:sp>
-        <p:nvSpPr>
-          <p:cNvPr id="20" name="矩形 19">
-            <a:extLst>
-              <a:ext uri="{FF2B5EF4-FFF2-40B4-BE49-F238E27FC236}">
-                <a16:creationId xmlns:a16="http://schemas.microsoft.com/office/drawing/2014/main" id="{1AE278FE-7116-484C-B8F8-0E52FF7285BD}"/>
+      <p:cxnSp>
+        <p:nvCxnSpPr>
+          <p:cNvPr id="31" name="直线连接符 30">
+            <a:extLst>
+              <a:ext uri="{FF2B5EF4-FFF2-40B4-BE49-F238E27FC236}">
+                <a16:creationId xmlns:a16="http://schemas.microsoft.com/office/drawing/2014/main" id="{FC06B230-A061-F542-95CA-D2B7CEF92BEA}"/>
+              </a:ext>
+            </a:extLst>
+          </p:cNvPr>
+          <p:cNvCxnSpPr>
+            <a:cxnSpLocks/>
+            <a:stCxn id="4" idx="2"/>
+          </p:cNvCxnSpPr>
+          <p:nvPr/>
+        </p:nvCxnSpPr>
+        <p:spPr>
+          <a:xfrm>
+            <a:off x="5939335" y="2212544"/>
+            <a:ext cx="0" cy="373902"/>
+          </a:xfrm>
+          <a:prstGeom prst="line">
+            <a:avLst/>
+          </a:prstGeom>
+          <a:ln w="57150"/>
+        </p:spPr>
+        <p:style>
+          <a:lnRef idx="1">
+            <a:schemeClr val="accent1"/>
+          </a:lnRef>
+          <a:fillRef idx="0">
+            <a:schemeClr val="accent1"/>
+          </a:fillRef>
+          <a:effectRef idx="0">
+            <a:schemeClr val="accent1"/>
+          </a:effectRef>
+          <a:fontRef idx="minor">
+            <a:schemeClr val="tx1"/>
+          </a:fontRef>
+        </p:style>
+      </p:cxnSp>
+      <p:sp>
+        <p:nvSpPr>
+          <p:cNvPr id="33" name="矩形 32">
+            <a:extLst>
+              <a:ext uri="{FF2B5EF4-FFF2-40B4-BE49-F238E27FC236}">
+                <a16:creationId xmlns:a16="http://schemas.microsoft.com/office/drawing/2014/main" id="{1C39D927-597A-FC4D-ABB6-FEE849FC8543}"/>
               </a:ext>
             </a:extLst>
           </p:cNvPr>
@@ -5123,7 +5159,69 @@
         </p:nvSpPr>
         <p:spPr>
           <a:xfrm>
-            <a:off x="6411519" y="4332141"/>
+            <a:off x="6117573" y="2085491"/>
+            <a:ext cx="1929400" cy="634791"/>
+          </a:xfrm>
+          <a:prstGeom prst="rect">
+            <a:avLst/>
+          </a:prstGeom>
+          <a:noFill/>
+          <a:ln>
+            <a:noFill/>
+          </a:ln>
+        </p:spPr>
+        <p:style>
+          <a:lnRef idx="2">
+            <a:schemeClr val="accent1">
+              <a:shade val="50000"/>
+            </a:schemeClr>
+          </a:lnRef>
+          <a:fillRef idx="1">
+            <a:schemeClr val="accent1"/>
+          </a:fillRef>
+          <a:effectRef idx="0">
+            <a:schemeClr val="accent1"/>
+          </a:effectRef>
+          <a:fontRef idx="minor">
+            <a:schemeClr val="lt1"/>
+          </a:fontRef>
+        </p:style>
+        <p:txBody>
+          <a:bodyPr rtlCol="0" anchor="ctr"/>
+          <a:lstStyle/>
+          <a:p>
+            <a:pPr algn="ctr"/>
+            <a:r>
+              <a:rPr kumimoji="1" lang="en-US" altLang="zh-CN" b="1" dirty="0">
+                <a:solidFill>
+                  <a:srgbClr val="0070C0"/>
+                </a:solidFill>
+              </a:rPr>
+              <a:t>Serial / Ethernet</a:t>
+            </a:r>
+            <a:endParaRPr kumimoji="1" lang="zh-CN" altLang="en-US" b="1" dirty="0">
+              <a:solidFill>
+                <a:srgbClr val="0070C0"/>
+              </a:solidFill>
+            </a:endParaRPr>
+          </a:p>
+        </p:txBody>
+      </p:sp>
+      <p:sp>
+        <p:nvSpPr>
+          <p:cNvPr id="22" name="矩形 21">
+            <a:extLst>
+              <a:ext uri="{FF2B5EF4-FFF2-40B4-BE49-F238E27FC236}">
+                <a16:creationId xmlns:a16="http://schemas.microsoft.com/office/drawing/2014/main" id="{413AFFEA-1572-884D-A143-2454E7AFC497}"/>
+              </a:ext>
+            </a:extLst>
+          </p:cNvPr>
+          <p:cNvSpPr/>
+          <p:nvPr/>
+        </p:nvSpPr>
+        <p:spPr>
+          <a:xfrm>
+            <a:off x="5351734" y="3834753"/>
             <a:ext cx="454617" cy="634791"/>
           </a:xfrm>
           <a:prstGeom prst="rect">
@@ -5158,74 +5256,35 @@
             <a:r>
               <a:rPr kumimoji="1" lang="en-US" altLang="zh-CN" b="1" dirty="0">
                 <a:solidFill>
-                  <a:schemeClr val="bg1"/>
+                  <a:srgbClr val="0070C0"/>
                 </a:solidFill>
               </a:rPr>
               <a:t>…</a:t>
             </a:r>
             <a:endParaRPr kumimoji="1" lang="zh-CN" altLang="en-US" b="1" dirty="0">
               <a:solidFill>
-                <a:schemeClr val="bg1"/>
+                <a:srgbClr val="0070C0"/>
               </a:solidFill>
             </a:endParaRPr>
           </a:p>
         </p:txBody>
       </p:sp>
-      <p:cxnSp>
-        <p:nvCxnSpPr>
-          <p:cNvPr id="31" name="直线连接符 30">
-            <a:extLst>
-              <a:ext uri="{FF2B5EF4-FFF2-40B4-BE49-F238E27FC236}">
-                <a16:creationId xmlns:a16="http://schemas.microsoft.com/office/drawing/2014/main" id="{FC06B230-A061-F542-95CA-D2B7CEF92BEA}"/>
-              </a:ext>
-            </a:extLst>
-          </p:cNvPr>
-          <p:cNvCxnSpPr>
-            <a:cxnSpLocks/>
-          </p:cNvCxnSpPr>
+      <p:sp>
+        <p:nvSpPr>
+          <p:cNvPr id="23" name="矩形 22">
+            <a:extLst>
+              <a:ext uri="{FF2B5EF4-FFF2-40B4-BE49-F238E27FC236}">
+                <a16:creationId xmlns:a16="http://schemas.microsoft.com/office/drawing/2014/main" id="{CF06B835-F897-5E48-A999-E3E7CA3DD4C0}"/>
+              </a:ext>
+            </a:extLst>
+          </p:cNvPr>
+          <p:cNvSpPr/>
           <p:nvPr/>
-        </p:nvCxnSpPr>
+        </p:nvSpPr>
         <p:spPr>
           <a:xfrm>
-            <a:off x="5495200" y="2444454"/>
-            <a:ext cx="0" cy="430673"/>
-          </a:xfrm>
-          <a:prstGeom prst="line">
-            <a:avLst/>
-          </a:prstGeom>
-          <a:ln w="57150"/>
-        </p:spPr>
-        <p:style>
-          <a:lnRef idx="1">
-            <a:schemeClr val="accent1"/>
-          </a:lnRef>
-          <a:fillRef idx="0">
-            <a:schemeClr val="accent1"/>
-          </a:fillRef>
-          <a:effectRef idx="0">
-            <a:schemeClr val="accent1"/>
-          </a:effectRef>
-          <a:fontRef idx="minor">
-            <a:schemeClr val="tx1"/>
-          </a:fontRef>
-        </p:style>
-      </p:cxnSp>
-      <p:sp>
-        <p:nvSpPr>
-          <p:cNvPr id="33" name="矩形 32">
-            <a:extLst>
-              <a:ext uri="{FF2B5EF4-FFF2-40B4-BE49-F238E27FC236}">
-                <a16:creationId xmlns:a16="http://schemas.microsoft.com/office/drawing/2014/main" id="{1C39D927-597A-FC4D-ABB6-FEE849FC8543}"/>
-              </a:ext>
-            </a:extLst>
-          </p:cNvPr>
-          <p:cNvSpPr/>
-          <p:nvPr/>
-        </p:nvSpPr>
-        <p:spPr>
-          <a:xfrm>
-            <a:off x="5580096" y="2320774"/>
-            <a:ext cx="1929400" cy="634791"/>
+            <a:off x="7106637" y="3284470"/>
+            <a:ext cx="454617" cy="634791"/>
           </a:xfrm>
           <a:prstGeom prst="rect">
             <a:avLst/>
@@ -5262,7 +5321,7 @@
                   <a:srgbClr val="0070C0"/>
                 </a:solidFill>
               </a:rPr>
-              <a:t>Serial / Ethernet</a:t>
+              <a:t>…</a:t>
             </a:r>
             <a:endParaRPr kumimoji="1" lang="zh-CN" altLang="en-US" b="1" dirty="0">
               <a:solidFill>
@@ -5272,6 +5331,46 @@
           </a:p>
         </p:txBody>
       </p:sp>
+      <p:cxnSp>
+        <p:nvCxnSpPr>
+          <p:cNvPr id="28" name="直线连接符 27">
+            <a:extLst>
+              <a:ext uri="{FF2B5EF4-FFF2-40B4-BE49-F238E27FC236}">
+                <a16:creationId xmlns:a16="http://schemas.microsoft.com/office/drawing/2014/main" id="{BB77F483-6AFE-F448-BD19-16340378C513}"/>
+              </a:ext>
+            </a:extLst>
+          </p:cNvPr>
+          <p:cNvCxnSpPr>
+            <a:cxnSpLocks/>
+            <a:stCxn id="13" idx="3"/>
+          </p:cNvCxnSpPr>
+          <p:nvPr/>
+        </p:nvCxnSpPr>
+        <p:spPr>
+          <a:xfrm>
+            <a:off x="4150796" y="3341914"/>
+            <a:ext cx="159948" cy="0"/>
+          </a:xfrm>
+          <a:prstGeom prst="line">
+            <a:avLst/>
+          </a:prstGeom>
+          <a:ln w="57150"/>
+        </p:spPr>
+        <p:style>
+          <a:lnRef idx="1">
+            <a:schemeClr val="accent1"/>
+          </a:lnRef>
+          <a:fillRef idx="0">
+            <a:schemeClr val="accent1"/>
+          </a:fillRef>
+          <a:effectRef idx="0">
+            <a:schemeClr val="accent1"/>
+          </a:effectRef>
+          <a:fontRef idx="minor">
+            <a:schemeClr val="tx1"/>
+          </a:fontRef>
+        </p:style>
+      </p:cxnSp>
     </p:spTree>
     <p:extLst>
       <p:ext uri="{BB962C8B-B14F-4D97-AF65-F5344CB8AC3E}">
